--- a/logo/logo.pptx
+++ b/logo/logo.pptx
@@ -6,6 +6,7 @@
   </p:sldMasterIdLst>
   <p:sldIdLst>
     <p:sldId id="256" r:id="rId2"/>
+    <p:sldId id="257" r:id="rId3"/>
   </p:sldIdLst>
   <p:sldSz cx="12192000" cy="6858000"/>
   <p:notesSz cx="6858000" cy="9144000"/>
@@ -104,6 +105,11 @@
       </a:defRPr>
     </a:lvl9pPr>
   </p:defaultTextStyle>
+  <p:extLst>
+    <p:ext uri="{EFAFB233-063F-42B5-8137-9DF3F51BA10A}">
+      <p15:sldGuideLst xmlns:p15="http://schemas.microsoft.com/office/powerpoint/2012/main"/>
+    </p:ext>
+  </p:extLst>
 </p:presentation>
 </file>
 
@@ -3310,7 +3316,7 @@
     <p:bg>
       <p:bgPr>
         <a:solidFill>
-          <a:srgbClr val="1F1F1F"/>
+          <a:srgbClr val="333333"/>
         </a:solidFill>
         <a:effectLst/>
       </p:bgPr>
@@ -3329,189 +3335,168 @@
           <a:chExt cx="0" cy="0"/>
         </a:xfrm>
       </p:grpSpPr>
-      <p:grpSp>
-        <p:nvGrpSpPr>
-          <p:cNvPr id="9" name="Group 8">
-            <a:extLst>
-              <a:ext uri="{FF2B5EF4-FFF2-40B4-BE49-F238E27FC236}">
-                <a16:creationId xmlns:a16="http://schemas.microsoft.com/office/drawing/2014/main" id="{CAE1083B-7C38-4521-94A3-961B58871136}"/>
-              </a:ext>
-            </a:extLst>
-          </p:cNvPr>
-          <p:cNvGrpSpPr/>
+      <p:sp>
+        <p:nvSpPr>
+          <p:cNvPr id="10" name="Oval 9">
+            <a:extLst>
+              <a:ext uri="{FF2B5EF4-FFF2-40B4-BE49-F238E27FC236}">
+                <a16:creationId xmlns:a16="http://schemas.microsoft.com/office/drawing/2014/main" id="{F7B7FB77-17B3-43A2-AC15-269B81CC1EB2}"/>
+              </a:ext>
+            </a:extLst>
+          </p:cNvPr>
+          <p:cNvSpPr>
+            <a:spLocks noChangeAspect="1"/>
+          </p:cNvSpPr>
           <p:nvPr/>
-        </p:nvGrpSpPr>
-        <p:grpSpPr>
-          <a:xfrm rot="21094348">
-            <a:off x="4924245" y="1472409"/>
-            <a:ext cx="1288269" cy="1131675"/>
-            <a:chOff x="5038708" y="1557743"/>
-            <a:chExt cx="1288269" cy="1131675"/>
+        </p:nvSpPr>
+        <p:spPr>
+          <a:xfrm>
+            <a:off x="5551462" y="1610425"/>
+            <a:ext cx="330526" cy="330526"/>
           </a:xfrm>
-        </p:grpSpPr>
-        <p:sp>
-          <p:nvSpPr>
-            <p:cNvPr id="10" name="Oval 9">
-              <a:extLst>
-                <a:ext uri="{FF2B5EF4-FFF2-40B4-BE49-F238E27FC236}">
-                  <a16:creationId xmlns:a16="http://schemas.microsoft.com/office/drawing/2014/main" id="{F7B7FB77-17B3-43A2-AC15-269B81CC1EB2}"/>
-                </a:ext>
-              </a:extLst>
-            </p:cNvPr>
-            <p:cNvSpPr>
-              <a:spLocks noChangeAspect="1"/>
-            </p:cNvSpPr>
-            <p:nvPr/>
-          </p:nvSpPr>
-          <p:spPr>
-            <a:xfrm>
-              <a:off x="5520982" y="1557743"/>
-              <a:ext cx="330526" cy="330526"/>
-            </a:xfrm>
-            <a:prstGeom prst="ellipse">
-              <a:avLst/>
-            </a:prstGeom>
-            <a:solidFill>
-              <a:srgbClr val="777777"/>
-            </a:solidFill>
-            <a:ln>
-              <a:noFill/>
-            </a:ln>
-          </p:spPr>
-          <p:style>
-            <a:lnRef idx="2">
-              <a:schemeClr val="accent1">
-                <a:shade val="50000"/>
-              </a:schemeClr>
-            </a:lnRef>
-            <a:fillRef idx="1">
-              <a:schemeClr val="accent1"/>
-            </a:fillRef>
-            <a:effectRef idx="0">
-              <a:schemeClr val="accent1"/>
-            </a:effectRef>
-            <a:fontRef idx="minor">
-              <a:schemeClr val="lt1"/>
-            </a:fontRef>
-          </p:style>
-          <p:txBody>
-            <a:bodyPr rtlCol="0" anchor="ctr"/>
-            <a:lstStyle/>
-            <a:p>
-              <a:pPr algn="ctr"/>
-              <a:endParaRPr lang="en-US"/>
-            </a:p>
-          </p:txBody>
-        </p:sp>
-        <p:sp>
-          <p:nvSpPr>
-            <p:cNvPr id="11" name="Oval 10">
-              <a:extLst>
-                <a:ext uri="{FF2B5EF4-FFF2-40B4-BE49-F238E27FC236}">
-                  <a16:creationId xmlns:a16="http://schemas.microsoft.com/office/drawing/2014/main" id="{CF4D4B3F-62A2-45EC-B4D4-E401E587D837}"/>
-                </a:ext>
-              </a:extLst>
-            </p:cNvPr>
-            <p:cNvSpPr>
-              <a:spLocks noChangeAspect="1"/>
-            </p:cNvSpPr>
-            <p:nvPr/>
-          </p:nvSpPr>
-          <p:spPr>
-            <a:xfrm>
-              <a:off x="5038708" y="2358892"/>
-              <a:ext cx="330526" cy="330526"/>
-            </a:xfrm>
-            <a:prstGeom prst="ellipse">
-              <a:avLst/>
-            </a:prstGeom>
-            <a:solidFill>
-              <a:srgbClr val="5F5F5F"/>
-            </a:solidFill>
-            <a:ln>
-              <a:noFill/>
-            </a:ln>
-          </p:spPr>
-          <p:style>
-            <a:lnRef idx="2">
-              <a:schemeClr val="accent1">
-                <a:shade val="50000"/>
-              </a:schemeClr>
-            </a:lnRef>
-            <a:fillRef idx="1">
-              <a:schemeClr val="accent1"/>
-            </a:fillRef>
-            <a:effectRef idx="0">
-              <a:schemeClr val="accent1"/>
-            </a:effectRef>
-            <a:fontRef idx="minor">
-              <a:schemeClr val="lt1"/>
-            </a:fontRef>
-          </p:style>
-          <p:txBody>
-            <a:bodyPr rtlCol="0" anchor="ctr"/>
-            <a:lstStyle/>
-            <a:p>
-              <a:pPr algn="ctr"/>
-              <a:endParaRPr lang="en-US"/>
-            </a:p>
-          </p:txBody>
-        </p:sp>
-        <p:sp>
-          <p:nvSpPr>
-            <p:cNvPr id="12" name="Oval 11">
-              <a:extLst>
-                <a:ext uri="{FF2B5EF4-FFF2-40B4-BE49-F238E27FC236}">
-                  <a16:creationId xmlns:a16="http://schemas.microsoft.com/office/drawing/2014/main" id="{4DB6FEA0-0F19-4E6D-8104-64E4B702D540}"/>
-                </a:ext>
-              </a:extLst>
-            </p:cNvPr>
-            <p:cNvSpPr>
-              <a:spLocks noChangeAspect="1"/>
-            </p:cNvSpPr>
-            <p:nvPr/>
-          </p:nvSpPr>
-          <p:spPr>
-            <a:xfrm>
-              <a:off x="5996451" y="2228584"/>
-              <a:ext cx="330526" cy="330526"/>
-            </a:xfrm>
-            <a:prstGeom prst="ellipse">
-              <a:avLst/>
-            </a:prstGeom>
-            <a:solidFill>
-              <a:srgbClr val="808080"/>
-            </a:solidFill>
-            <a:ln>
-              <a:noFill/>
-            </a:ln>
-          </p:spPr>
-          <p:style>
-            <a:lnRef idx="2">
-              <a:schemeClr val="accent1">
-                <a:shade val="50000"/>
-              </a:schemeClr>
-            </a:lnRef>
-            <a:fillRef idx="1">
-              <a:schemeClr val="accent1"/>
-            </a:fillRef>
-            <a:effectRef idx="0">
-              <a:schemeClr val="accent1"/>
-            </a:effectRef>
-            <a:fontRef idx="minor">
-              <a:schemeClr val="lt1"/>
-            </a:fontRef>
-          </p:style>
-          <p:txBody>
-            <a:bodyPr rtlCol="0" anchor="ctr"/>
-            <a:lstStyle/>
-            <a:p>
-              <a:pPr algn="ctr"/>
-              <a:endParaRPr lang="en-US"/>
-            </a:p>
-          </p:txBody>
-        </p:sp>
-      </p:grpSp>
+          <a:prstGeom prst="ellipse">
+            <a:avLst/>
+          </a:prstGeom>
+          <a:solidFill>
+            <a:srgbClr val="777777"/>
+          </a:solidFill>
+          <a:ln>
+            <a:noFill/>
+          </a:ln>
+        </p:spPr>
+        <p:style>
+          <a:lnRef idx="2">
+            <a:schemeClr val="accent1">
+              <a:shade val="50000"/>
+            </a:schemeClr>
+          </a:lnRef>
+          <a:fillRef idx="1">
+            <a:schemeClr val="accent1"/>
+          </a:fillRef>
+          <a:effectRef idx="0">
+            <a:schemeClr val="accent1"/>
+          </a:effectRef>
+          <a:fontRef idx="minor">
+            <a:schemeClr val="lt1"/>
+          </a:fontRef>
+        </p:style>
+        <p:txBody>
+          <a:bodyPr rtlCol="0" anchor="ctr"/>
+          <a:lstStyle/>
+          <a:p>
+            <a:pPr algn="ctr"/>
+            <a:endParaRPr lang="en-US"/>
+          </a:p>
+        </p:txBody>
+      </p:sp>
+      <p:sp>
+        <p:nvSpPr>
+          <p:cNvPr id="11" name="Oval 10">
+            <a:extLst>
+              <a:ext uri="{FF2B5EF4-FFF2-40B4-BE49-F238E27FC236}">
+                <a16:creationId xmlns:a16="http://schemas.microsoft.com/office/drawing/2014/main" id="{CF4D4B3F-62A2-45EC-B4D4-E401E587D837}"/>
+              </a:ext>
+            </a:extLst>
+          </p:cNvPr>
+          <p:cNvSpPr>
+            <a:spLocks noChangeAspect="1"/>
+          </p:cNvSpPr>
+          <p:nvPr/>
+        </p:nvSpPr>
+        <p:spPr>
+          <a:xfrm>
+            <a:off x="5258883" y="2122562"/>
+            <a:ext cx="330526" cy="330526"/>
+          </a:xfrm>
+          <a:prstGeom prst="ellipse">
+            <a:avLst/>
+          </a:prstGeom>
+          <a:solidFill>
+            <a:srgbClr val="5F5F5F"/>
+          </a:solidFill>
+          <a:ln>
+            <a:noFill/>
+          </a:ln>
+        </p:spPr>
+        <p:style>
+          <a:lnRef idx="2">
+            <a:schemeClr val="accent1">
+              <a:shade val="50000"/>
+            </a:schemeClr>
+          </a:lnRef>
+          <a:fillRef idx="1">
+            <a:schemeClr val="accent1"/>
+          </a:fillRef>
+          <a:effectRef idx="0">
+            <a:schemeClr val="accent1"/>
+          </a:effectRef>
+          <a:fontRef idx="minor">
+            <a:schemeClr val="lt1"/>
+          </a:fontRef>
+        </p:style>
+        <p:txBody>
+          <a:bodyPr rtlCol="0" anchor="ctr"/>
+          <a:lstStyle/>
+          <a:p>
+            <a:pPr algn="ctr"/>
+            <a:endParaRPr lang="en-US"/>
+          </a:p>
+        </p:txBody>
+      </p:sp>
+      <p:sp>
+        <p:nvSpPr>
+          <p:cNvPr id="12" name="Oval 11">
+            <a:extLst>
+              <a:ext uri="{FF2B5EF4-FFF2-40B4-BE49-F238E27FC236}">
+                <a16:creationId xmlns:a16="http://schemas.microsoft.com/office/drawing/2014/main" id="{4DB6FEA0-0F19-4E6D-8104-64E4B702D540}"/>
+              </a:ext>
+            </a:extLst>
+          </p:cNvPr>
+          <p:cNvSpPr>
+            <a:spLocks noChangeAspect="1"/>
+          </p:cNvSpPr>
+          <p:nvPr/>
+        </p:nvSpPr>
+        <p:spPr>
+          <a:xfrm>
+            <a:off x="5881988" y="2143250"/>
+            <a:ext cx="330526" cy="330526"/>
+          </a:xfrm>
+          <a:prstGeom prst="ellipse">
+            <a:avLst/>
+          </a:prstGeom>
+          <a:solidFill>
+            <a:srgbClr val="808080"/>
+          </a:solidFill>
+          <a:ln>
+            <a:noFill/>
+          </a:ln>
+        </p:spPr>
+        <p:style>
+          <a:lnRef idx="2">
+            <a:schemeClr val="accent1">
+              <a:shade val="50000"/>
+            </a:schemeClr>
+          </a:lnRef>
+          <a:fillRef idx="1">
+            <a:schemeClr val="accent1"/>
+          </a:fillRef>
+          <a:effectRef idx="0">
+            <a:schemeClr val="accent1"/>
+          </a:effectRef>
+          <a:fontRef idx="minor">
+            <a:schemeClr val="lt1"/>
+          </a:fontRef>
+        </p:style>
+        <p:txBody>
+          <a:bodyPr rtlCol="0" anchor="ctr"/>
+          <a:lstStyle/>
+          <a:p>
+            <a:pPr algn="ctr"/>
+            <a:endParaRPr lang="en-US"/>
+          </a:p>
+        </p:txBody>
+      </p:sp>
       <p:sp>
         <p:nvSpPr>
           <p:cNvPr id="4" name="Oval 3">
@@ -3538,7 +3523,7 @@
             <a:schemeClr val="tx1">
               <a:lumMod val="95000"/>
               <a:lumOff val="5000"/>
-              <a:alpha val="40000"/>
+              <a:alpha val="50000"/>
             </a:schemeClr>
           </a:solidFill>
           <a:ln>
@@ -3570,195 +3555,12 @@
           </a:p>
         </p:txBody>
       </p:sp>
-      <p:grpSp>
-        <p:nvGrpSpPr>
-          <p:cNvPr id="8" name="Group 7">
-            <a:extLst>
-              <a:ext uri="{FF2B5EF4-FFF2-40B4-BE49-F238E27FC236}">
-                <a16:creationId xmlns:a16="http://schemas.microsoft.com/office/drawing/2014/main" id="{BA30C59A-27A1-474B-8DF8-6AB6AD8CA631}"/>
-              </a:ext>
-            </a:extLst>
-          </p:cNvPr>
-          <p:cNvGrpSpPr/>
-          <p:nvPr/>
-        </p:nvGrpSpPr>
-        <p:grpSpPr>
-          <a:xfrm rot="21094348">
-            <a:off x="5089508" y="1367406"/>
-            <a:ext cx="1288269" cy="1131675"/>
-            <a:chOff x="5038708" y="1557743"/>
-            <a:chExt cx="1288269" cy="1131675"/>
-          </a:xfrm>
-        </p:grpSpPr>
-        <p:sp>
-          <p:nvSpPr>
-            <p:cNvPr id="5" name="Oval 4">
-              <a:extLst>
-                <a:ext uri="{FF2B5EF4-FFF2-40B4-BE49-F238E27FC236}">
-                  <a16:creationId xmlns:a16="http://schemas.microsoft.com/office/drawing/2014/main" id="{1ED3C450-C255-4E1D-8AE1-F0B8E8D3C6F6}"/>
-                </a:ext>
-              </a:extLst>
-            </p:cNvPr>
-            <p:cNvSpPr>
-              <a:spLocks noChangeAspect="1"/>
-            </p:cNvSpPr>
-            <p:nvPr/>
-          </p:nvSpPr>
-          <p:spPr>
-            <a:xfrm>
-              <a:off x="5520982" y="1557743"/>
-              <a:ext cx="330526" cy="330526"/>
-            </a:xfrm>
-            <a:prstGeom prst="ellipse">
-              <a:avLst/>
-            </a:prstGeom>
-            <a:solidFill>
-              <a:srgbClr val="B2B2B2"/>
-            </a:solidFill>
-            <a:ln>
-              <a:noFill/>
-            </a:ln>
-          </p:spPr>
-          <p:style>
-            <a:lnRef idx="2">
-              <a:schemeClr val="accent1">
-                <a:shade val="50000"/>
-              </a:schemeClr>
-            </a:lnRef>
-            <a:fillRef idx="1">
-              <a:schemeClr val="accent1"/>
-            </a:fillRef>
-            <a:effectRef idx="0">
-              <a:schemeClr val="accent1"/>
-            </a:effectRef>
-            <a:fontRef idx="minor">
-              <a:schemeClr val="lt1"/>
-            </a:fontRef>
-          </p:style>
-          <p:txBody>
-            <a:bodyPr rtlCol="0" anchor="ctr"/>
-            <a:lstStyle/>
-            <a:p>
-              <a:pPr algn="ctr"/>
-              <a:endParaRPr lang="en-US"/>
-            </a:p>
-          </p:txBody>
-        </p:sp>
-        <p:sp>
-          <p:nvSpPr>
-            <p:cNvPr id="6" name="Oval 5">
-              <a:extLst>
-                <a:ext uri="{FF2B5EF4-FFF2-40B4-BE49-F238E27FC236}">
-                  <a16:creationId xmlns:a16="http://schemas.microsoft.com/office/drawing/2014/main" id="{BCB95308-D6A9-4B39-B606-2F01BF30E4D0}"/>
-                </a:ext>
-              </a:extLst>
-            </p:cNvPr>
-            <p:cNvSpPr>
-              <a:spLocks noChangeAspect="1"/>
-            </p:cNvSpPr>
-            <p:nvPr/>
-          </p:nvSpPr>
-          <p:spPr>
-            <a:xfrm>
-              <a:off x="5038708" y="2358892"/>
-              <a:ext cx="330526" cy="330526"/>
-            </a:xfrm>
-            <a:prstGeom prst="ellipse">
-              <a:avLst/>
-            </a:prstGeom>
-            <a:solidFill>
-              <a:srgbClr val="DDDDDD"/>
-            </a:solidFill>
-            <a:ln>
-              <a:noFill/>
-            </a:ln>
-          </p:spPr>
-          <p:style>
-            <a:lnRef idx="2">
-              <a:schemeClr val="accent1">
-                <a:shade val="50000"/>
-              </a:schemeClr>
-            </a:lnRef>
-            <a:fillRef idx="1">
-              <a:schemeClr val="accent1"/>
-            </a:fillRef>
-            <a:effectRef idx="0">
-              <a:schemeClr val="accent1"/>
-            </a:effectRef>
-            <a:fontRef idx="minor">
-              <a:schemeClr val="lt1"/>
-            </a:fontRef>
-          </p:style>
-          <p:txBody>
-            <a:bodyPr rtlCol="0" anchor="ctr"/>
-            <a:lstStyle/>
-            <a:p>
-              <a:pPr algn="ctr"/>
-              <a:endParaRPr lang="en-US"/>
-            </a:p>
-          </p:txBody>
-        </p:sp>
-        <p:sp>
-          <p:nvSpPr>
-            <p:cNvPr id="7" name="Oval 6">
-              <a:extLst>
-                <a:ext uri="{FF2B5EF4-FFF2-40B4-BE49-F238E27FC236}">
-                  <a16:creationId xmlns:a16="http://schemas.microsoft.com/office/drawing/2014/main" id="{FB32F848-F66F-4D71-B6DE-2FD4694FD117}"/>
-                </a:ext>
-              </a:extLst>
-            </p:cNvPr>
-            <p:cNvSpPr>
-              <a:spLocks noChangeAspect="1"/>
-            </p:cNvSpPr>
-            <p:nvPr/>
-          </p:nvSpPr>
-          <p:spPr>
-            <a:xfrm>
-              <a:off x="5996451" y="2228584"/>
-              <a:ext cx="330526" cy="330526"/>
-            </a:xfrm>
-            <a:prstGeom prst="ellipse">
-              <a:avLst/>
-            </a:prstGeom>
-            <a:solidFill>
-              <a:srgbClr val="C0C0C0"/>
-            </a:solidFill>
-            <a:ln>
-              <a:noFill/>
-            </a:ln>
-          </p:spPr>
-          <p:style>
-            <a:lnRef idx="2">
-              <a:schemeClr val="accent1">
-                <a:shade val="50000"/>
-              </a:schemeClr>
-            </a:lnRef>
-            <a:fillRef idx="1">
-              <a:schemeClr val="accent1"/>
-            </a:fillRef>
-            <a:effectRef idx="0">
-              <a:schemeClr val="accent1"/>
-            </a:effectRef>
-            <a:fontRef idx="minor">
-              <a:schemeClr val="lt1"/>
-            </a:fontRef>
-          </p:style>
-          <p:txBody>
-            <a:bodyPr rtlCol="0" anchor="ctr"/>
-            <a:lstStyle/>
-            <a:p>
-              <a:pPr algn="ctr"/>
-              <a:endParaRPr lang="en-US"/>
-            </a:p>
-          </p:txBody>
-        </p:sp>
-      </p:grpSp>
-      <p:sp>
-        <p:nvSpPr>
-          <p:cNvPr id="13" name="Rectangle 12">
-            <a:extLst>
-              <a:ext uri="{FF2B5EF4-FFF2-40B4-BE49-F238E27FC236}">
-                <a16:creationId xmlns:a16="http://schemas.microsoft.com/office/drawing/2014/main" id="{8BF675DB-1ED7-4F4F-988F-4780651E8B82}"/>
+      <p:sp>
+        <p:nvSpPr>
+          <p:cNvPr id="5" name="Oval 4">
+            <a:extLst>
+              <a:ext uri="{FF2B5EF4-FFF2-40B4-BE49-F238E27FC236}">
+                <a16:creationId xmlns:a16="http://schemas.microsoft.com/office/drawing/2014/main" id="{1ED3C450-C255-4E1D-8AE1-F0B8E8D3C6F6}"/>
               </a:ext>
             </a:extLst>
           </p:cNvPr>
@@ -3769,8 +3571,170 @@
         </p:nvSpPr>
         <p:spPr>
           <a:xfrm>
-            <a:off x="4561514" y="681606"/>
-            <a:ext cx="2286000" cy="2286000"/>
+            <a:off x="5716725" y="1505422"/>
+            <a:ext cx="330526" cy="330526"/>
+          </a:xfrm>
+          <a:prstGeom prst="ellipse">
+            <a:avLst/>
+          </a:prstGeom>
+          <a:solidFill>
+            <a:srgbClr val="B2B2B2"/>
+          </a:solidFill>
+          <a:ln>
+            <a:noFill/>
+          </a:ln>
+        </p:spPr>
+        <p:style>
+          <a:lnRef idx="2">
+            <a:schemeClr val="accent1">
+              <a:shade val="50000"/>
+            </a:schemeClr>
+          </a:lnRef>
+          <a:fillRef idx="1">
+            <a:schemeClr val="accent1"/>
+          </a:fillRef>
+          <a:effectRef idx="0">
+            <a:schemeClr val="accent1"/>
+          </a:effectRef>
+          <a:fontRef idx="minor">
+            <a:schemeClr val="lt1"/>
+          </a:fontRef>
+        </p:style>
+        <p:txBody>
+          <a:bodyPr rtlCol="0" anchor="ctr"/>
+          <a:lstStyle/>
+          <a:p>
+            <a:pPr algn="ctr"/>
+            <a:endParaRPr lang="en-US"/>
+          </a:p>
+        </p:txBody>
+      </p:sp>
+      <p:sp>
+        <p:nvSpPr>
+          <p:cNvPr id="6" name="Oval 5">
+            <a:extLst>
+              <a:ext uri="{FF2B5EF4-FFF2-40B4-BE49-F238E27FC236}">
+                <a16:creationId xmlns:a16="http://schemas.microsoft.com/office/drawing/2014/main" id="{BCB95308-D6A9-4B39-B606-2F01BF30E4D0}"/>
+              </a:ext>
+            </a:extLst>
+          </p:cNvPr>
+          <p:cNvSpPr>
+            <a:spLocks noChangeAspect="1"/>
+          </p:cNvSpPr>
+          <p:nvPr/>
+        </p:nvSpPr>
+        <p:spPr>
+          <a:xfrm>
+            <a:off x="5424146" y="2017559"/>
+            <a:ext cx="330526" cy="330526"/>
+          </a:xfrm>
+          <a:prstGeom prst="ellipse">
+            <a:avLst/>
+          </a:prstGeom>
+          <a:solidFill>
+            <a:srgbClr val="DDDDDD"/>
+          </a:solidFill>
+          <a:ln>
+            <a:noFill/>
+          </a:ln>
+        </p:spPr>
+        <p:style>
+          <a:lnRef idx="2">
+            <a:schemeClr val="accent1">
+              <a:shade val="50000"/>
+            </a:schemeClr>
+          </a:lnRef>
+          <a:fillRef idx="1">
+            <a:schemeClr val="accent1"/>
+          </a:fillRef>
+          <a:effectRef idx="0">
+            <a:schemeClr val="accent1"/>
+          </a:effectRef>
+          <a:fontRef idx="minor">
+            <a:schemeClr val="lt1"/>
+          </a:fontRef>
+        </p:style>
+        <p:txBody>
+          <a:bodyPr rtlCol="0" anchor="ctr"/>
+          <a:lstStyle/>
+          <a:p>
+            <a:pPr algn="ctr"/>
+            <a:endParaRPr lang="en-US"/>
+          </a:p>
+        </p:txBody>
+      </p:sp>
+      <p:sp>
+        <p:nvSpPr>
+          <p:cNvPr id="7" name="Oval 6">
+            <a:extLst>
+              <a:ext uri="{FF2B5EF4-FFF2-40B4-BE49-F238E27FC236}">
+                <a16:creationId xmlns:a16="http://schemas.microsoft.com/office/drawing/2014/main" id="{FB32F848-F66F-4D71-B6DE-2FD4694FD117}"/>
+              </a:ext>
+            </a:extLst>
+          </p:cNvPr>
+          <p:cNvSpPr>
+            <a:spLocks noChangeAspect="1"/>
+          </p:cNvSpPr>
+          <p:nvPr/>
+        </p:nvSpPr>
+        <p:spPr>
+          <a:xfrm>
+            <a:off x="6047251" y="2038247"/>
+            <a:ext cx="330526" cy="330526"/>
+          </a:xfrm>
+          <a:prstGeom prst="ellipse">
+            <a:avLst/>
+          </a:prstGeom>
+          <a:solidFill>
+            <a:srgbClr val="C0C0C0"/>
+          </a:solidFill>
+          <a:ln>
+            <a:noFill/>
+          </a:ln>
+        </p:spPr>
+        <p:style>
+          <a:lnRef idx="2">
+            <a:schemeClr val="accent1">
+              <a:shade val="50000"/>
+            </a:schemeClr>
+          </a:lnRef>
+          <a:fillRef idx="1">
+            <a:schemeClr val="accent1"/>
+          </a:fillRef>
+          <a:effectRef idx="0">
+            <a:schemeClr val="accent1"/>
+          </a:effectRef>
+          <a:fontRef idx="minor">
+            <a:schemeClr val="lt1"/>
+          </a:fontRef>
+        </p:style>
+        <p:txBody>
+          <a:bodyPr rtlCol="0" anchor="ctr"/>
+          <a:lstStyle/>
+          <a:p>
+            <a:pPr algn="ctr"/>
+            <a:endParaRPr lang="en-US"/>
+          </a:p>
+        </p:txBody>
+      </p:sp>
+      <p:sp>
+        <p:nvSpPr>
+          <p:cNvPr id="13" name="Rectangle 12">
+            <a:extLst>
+              <a:ext uri="{FF2B5EF4-FFF2-40B4-BE49-F238E27FC236}">
+                <a16:creationId xmlns:a16="http://schemas.microsoft.com/office/drawing/2014/main" id="{8BF675DB-1ED7-4F4F-988F-4780651E8B82}"/>
+              </a:ext>
+            </a:extLst>
+          </p:cNvPr>
+          <p:cNvSpPr>
+            <a:spLocks noChangeAspect="1"/>
+          </p:cNvSpPr>
+          <p:nvPr/>
+        </p:nvSpPr>
+        <p:spPr>
+          <a:xfrm>
+            <a:off x="5132060" y="1292860"/>
+            <a:ext cx="1391920" cy="1391920"/>
           </a:xfrm>
           <a:prstGeom prst="rect">
             <a:avLst/>
@@ -3806,6 +3770,475 @@
     <p:extLst>
       <p:ext uri="{BB962C8B-B14F-4D97-AF65-F5344CB8AC3E}">
         <p14:creationId xmlns:p14="http://schemas.microsoft.com/office/powerpoint/2010/main" val="1455617196"/>
+      </p:ext>
+    </p:extLst>
+  </p:cSld>
+  <p:clrMapOvr>
+    <a:masterClrMapping/>
+  </p:clrMapOvr>
+</p:sld>
+</file>
+
+<file path=ppt/slides/slide2.xml><?xml version="1.0" encoding="utf-8"?>
+<p:sld xmlns:a="http://schemas.openxmlformats.org/drawingml/2006/main" xmlns:r="http://schemas.openxmlformats.org/officeDocument/2006/relationships" xmlns:p="http://schemas.openxmlformats.org/presentationml/2006/main">
+  <p:cSld>
+    <p:bg>
+      <p:bgPr>
+        <a:solidFill>
+          <a:srgbClr val="333333"/>
+        </a:solidFill>
+        <a:effectLst/>
+      </p:bgPr>
+    </p:bg>
+    <p:spTree>
+      <p:nvGrpSpPr>
+        <p:cNvPr id="1" name=""/>
+        <p:cNvGrpSpPr/>
+        <p:nvPr/>
+      </p:nvGrpSpPr>
+      <p:grpSpPr>
+        <a:xfrm>
+          <a:off x="0" y="0"/>
+          <a:ext cx="0" cy="0"/>
+          <a:chOff x="0" y="0"/>
+          <a:chExt cx="0" cy="0"/>
+        </a:xfrm>
+      </p:grpSpPr>
+      <p:sp>
+        <p:nvSpPr>
+          <p:cNvPr id="10" name="Oval 9">
+            <a:extLst>
+              <a:ext uri="{FF2B5EF4-FFF2-40B4-BE49-F238E27FC236}">
+                <a16:creationId xmlns:a16="http://schemas.microsoft.com/office/drawing/2014/main" id="{F7B7FB77-17B3-43A2-AC15-269B81CC1EB2}"/>
+              </a:ext>
+            </a:extLst>
+          </p:cNvPr>
+          <p:cNvSpPr>
+            <a:spLocks noChangeAspect="1"/>
+          </p:cNvSpPr>
+          <p:nvPr/>
+        </p:nvSpPr>
+        <p:spPr>
+          <a:xfrm>
+            <a:off x="5406519" y="1472409"/>
+            <a:ext cx="330526" cy="330526"/>
+          </a:xfrm>
+          <a:prstGeom prst="ellipse">
+            <a:avLst/>
+          </a:prstGeom>
+          <a:solidFill>
+            <a:srgbClr val="777777"/>
+          </a:solidFill>
+          <a:ln>
+            <a:noFill/>
+          </a:ln>
+        </p:spPr>
+        <p:style>
+          <a:lnRef idx="2">
+            <a:schemeClr val="accent1">
+              <a:shade val="50000"/>
+            </a:schemeClr>
+          </a:lnRef>
+          <a:fillRef idx="1">
+            <a:schemeClr val="accent1"/>
+          </a:fillRef>
+          <a:effectRef idx="0">
+            <a:schemeClr val="accent1"/>
+          </a:effectRef>
+          <a:fontRef idx="minor">
+            <a:schemeClr val="lt1"/>
+          </a:fontRef>
+        </p:style>
+        <p:txBody>
+          <a:bodyPr rtlCol="0" anchor="ctr"/>
+          <a:lstStyle/>
+          <a:p>
+            <a:pPr algn="ctr"/>
+            <a:endParaRPr lang="en-US"/>
+          </a:p>
+        </p:txBody>
+      </p:sp>
+      <p:sp>
+        <p:nvSpPr>
+          <p:cNvPr id="11" name="Oval 10">
+            <a:extLst>
+              <a:ext uri="{FF2B5EF4-FFF2-40B4-BE49-F238E27FC236}">
+                <a16:creationId xmlns:a16="http://schemas.microsoft.com/office/drawing/2014/main" id="{CF4D4B3F-62A2-45EC-B4D4-E401E587D837}"/>
+              </a:ext>
+            </a:extLst>
+          </p:cNvPr>
+          <p:cNvSpPr>
+            <a:spLocks noChangeAspect="1"/>
+          </p:cNvSpPr>
+          <p:nvPr/>
+        </p:nvSpPr>
+        <p:spPr>
+          <a:xfrm>
+            <a:off x="5159823" y="2110116"/>
+            <a:ext cx="330526" cy="330526"/>
+          </a:xfrm>
+          <a:prstGeom prst="ellipse">
+            <a:avLst/>
+          </a:prstGeom>
+          <a:solidFill>
+            <a:srgbClr val="5F5F5F"/>
+          </a:solidFill>
+          <a:ln>
+            <a:noFill/>
+          </a:ln>
+        </p:spPr>
+        <p:style>
+          <a:lnRef idx="2">
+            <a:schemeClr val="accent1">
+              <a:shade val="50000"/>
+            </a:schemeClr>
+          </a:lnRef>
+          <a:fillRef idx="1">
+            <a:schemeClr val="accent1"/>
+          </a:fillRef>
+          <a:effectRef idx="0">
+            <a:schemeClr val="accent1"/>
+          </a:effectRef>
+          <a:fontRef idx="minor">
+            <a:schemeClr val="lt1"/>
+          </a:fontRef>
+        </p:style>
+        <p:txBody>
+          <a:bodyPr rtlCol="0" anchor="ctr"/>
+          <a:lstStyle/>
+          <a:p>
+            <a:pPr algn="ctr"/>
+            <a:endParaRPr lang="en-US"/>
+          </a:p>
+        </p:txBody>
+      </p:sp>
+      <p:sp>
+        <p:nvSpPr>
+          <p:cNvPr id="12" name="Oval 11">
+            <a:extLst>
+              <a:ext uri="{FF2B5EF4-FFF2-40B4-BE49-F238E27FC236}">
+                <a16:creationId xmlns:a16="http://schemas.microsoft.com/office/drawing/2014/main" id="{4DB6FEA0-0F19-4E6D-8104-64E4B702D540}"/>
+              </a:ext>
+            </a:extLst>
+          </p:cNvPr>
+          <p:cNvSpPr>
+            <a:spLocks noChangeAspect="1"/>
+          </p:cNvSpPr>
+          <p:nvPr/>
+        </p:nvSpPr>
+        <p:spPr>
+          <a:xfrm>
+            <a:off x="5881988" y="2143250"/>
+            <a:ext cx="330526" cy="330526"/>
+          </a:xfrm>
+          <a:prstGeom prst="ellipse">
+            <a:avLst/>
+          </a:prstGeom>
+          <a:solidFill>
+            <a:srgbClr val="808080"/>
+          </a:solidFill>
+          <a:ln>
+            <a:noFill/>
+          </a:ln>
+        </p:spPr>
+        <p:style>
+          <a:lnRef idx="2">
+            <a:schemeClr val="accent1">
+              <a:shade val="50000"/>
+            </a:schemeClr>
+          </a:lnRef>
+          <a:fillRef idx="1">
+            <a:schemeClr val="accent1"/>
+          </a:fillRef>
+          <a:effectRef idx="0">
+            <a:schemeClr val="accent1"/>
+          </a:effectRef>
+          <a:fontRef idx="minor">
+            <a:schemeClr val="lt1"/>
+          </a:fontRef>
+        </p:style>
+        <p:txBody>
+          <a:bodyPr rtlCol="0" anchor="ctr"/>
+          <a:lstStyle/>
+          <a:p>
+            <a:pPr algn="ctr"/>
+            <a:endParaRPr lang="en-US"/>
+          </a:p>
+        </p:txBody>
+      </p:sp>
+      <p:sp>
+        <p:nvSpPr>
+          <p:cNvPr id="4" name="Oval 3">
+            <a:extLst>
+              <a:ext uri="{FF2B5EF4-FFF2-40B4-BE49-F238E27FC236}">
+                <a16:creationId xmlns:a16="http://schemas.microsoft.com/office/drawing/2014/main" id="{8C25EDF3-8125-4DC4-8FDE-C58E5F6A82A7}"/>
+              </a:ext>
+            </a:extLst>
+          </p:cNvPr>
+          <p:cNvSpPr>
+            <a:spLocks noChangeAspect="1"/>
+          </p:cNvSpPr>
+          <p:nvPr/>
+        </p:nvSpPr>
+        <p:spPr>
+          <a:xfrm>
+            <a:off x="2961314" y="1367406"/>
+            <a:ext cx="3200400" cy="3200400"/>
+          </a:xfrm>
+          <a:prstGeom prst="ellipse">
+            <a:avLst/>
+          </a:prstGeom>
+          <a:solidFill>
+            <a:schemeClr val="tx1">
+              <a:lumMod val="95000"/>
+              <a:lumOff val="5000"/>
+              <a:alpha val="50000"/>
+            </a:schemeClr>
+          </a:solidFill>
+          <a:ln>
+            <a:noFill/>
+          </a:ln>
+        </p:spPr>
+        <p:style>
+          <a:lnRef idx="2">
+            <a:schemeClr val="accent1">
+              <a:shade val="50000"/>
+            </a:schemeClr>
+          </a:lnRef>
+          <a:fillRef idx="1">
+            <a:schemeClr val="accent1"/>
+          </a:fillRef>
+          <a:effectRef idx="0">
+            <a:schemeClr val="accent1"/>
+          </a:effectRef>
+          <a:fontRef idx="minor">
+            <a:schemeClr val="lt1"/>
+          </a:fontRef>
+        </p:style>
+        <p:txBody>
+          <a:bodyPr rtlCol="0" anchor="ctr"/>
+          <a:lstStyle/>
+          <a:p>
+            <a:pPr algn="ctr"/>
+            <a:endParaRPr lang="en-US"/>
+          </a:p>
+        </p:txBody>
+      </p:sp>
+      <p:sp>
+        <p:nvSpPr>
+          <p:cNvPr id="5" name="Oval 4">
+            <a:extLst>
+              <a:ext uri="{FF2B5EF4-FFF2-40B4-BE49-F238E27FC236}">
+                <a16:creationId xmlns:a16="http://schemas.microsoft.com/office/drawing/2014/main" id="{1ED3C450-C255-4E1D-8AE1-F0B8E8D3C6F6}"/>
+              </a:ext>
+            </a:extLst>
+          </p:cNvPr>
+          <p:cNvSpPr>
+            <a:spLocks noChangeAspect="1"/>
+          </p:cNvSpPr>
+          <p:nvPr/>
+        </p:nvSpPr>
+        <p:spPr>
+          <a:xfrm>
+            <a:off x="5571782" y="1367406"/>
+            <a:ext cx="330526" cy="330526"/>
+          </a:xfrm>
+          <a:prstGeom prst="ellipse">
+            <a:avLst/>
+          </a:prstGeom>
+          <a:solidFill>
+            <a:srgbClr val="B2B2B2"/>
+          </a:solidFill>
+          <a:ln>
+            <a:noFill/>
+          </a:ln>
+        </p:spPr>
+        <p:style>
+          <a:lnRef idx="2">
+            <a:schemeClr val="accent1">
+              <a:shade val="50000"/>
+            </a:schemeClr>
+          </a:lnRef>
+          <a:fillRef idx="1">
+            <a:schemeClr val="accent1"/>
+          </a:fillRef>
+          <a:effectRef idx="0">
+            <a:schemeClr val="accent1"/>
+          </a:effectRef>
+          <a:fontRef idx="minor">
+            <a:schemeClr val="lt1"/>
+          </a:fontRef>
+        </p:style>
+        <p:txBody>
+          <a:bodyPr rtlCol="0" anchor="ctr"/>
+          <a:lstStyle/>
+          <a:p>
+            <a:pPr algn="ctr"/>
+            <a:endParaRPr lang="en-US"/>
+          </a:p>
+        </p:txBody>
+      </p:sp>
+      <p:sp>
+        <p:nvSpPr>
+          <p:cNvPr id="6" name="Oval 5">
+            <a:extLst>
+              <a:ext uri="{FF2B5EF4-FFF2-40B4-BE49-F238E27FC236}">
+                <a16:creationId xmlns:a16="http://schemas.microsoft.com/office/drawing/2014/main" id="{BCB95308-D6A9-4B39-B606-2F01BF30E4D0}"/>
+              </a:ext>
+            </a:extLst>
+          </p:cNvPr>
+          <p:cNvSpPr>
+            <a:spLocks noChangeAspect="1"/>
+          </p:cNvSpPr>
+          <p:nvPr/>
+        </p:nvSpPr>
+        <p:spPr>
+          <a:xfrm>
+            <a:off x="5325086" y="2005113"/>
+            <a:ext cx="330526" cy="330526"/>
+          </a:xfrm>
+          <a:prstGeom prst="ellipse">
+            <a:avLst/>
+          </a:prstGeom>
+          <a:solidFill>
+            <a:srgbClr val="DDDDDD"/>
+          </a:solidFill>
+          <a:ln>
+            <a:noFill/>
+          </a:ln>
+        </p:spPr>
+        <p:style>
+          <a:lnRef idx="2">
+            <a:schemeClr val="accent1">
+              <a:shade val="50000"/>
+            </a:schemeClr>
+          </a:lnRef>
+          <a:fillRef idx="1">
+            <a:schemeClr val="accent1"/>
+          </a:fillRef>
+          <a:effectRef idx="0">
+            <a:schemeClr val="accent1"/>
+          </a:effectRef>
+          <a:fontRef idx="minor">
+            <a:schemeClr val="lt1"/>
+          </a:fontRef>
+        </p:style>
+        <p:txBody>
+          <a:bodyPr rtlCol="0" anchor="ctr"/>
+          <a:lstStyle/>
+          <a:p>
+            <a:pPr algn="ctr"/>
+            <a:endParaRPr lang="en-US"/>
+          </a:p>
+        </p:txBody>
+      </p:sp>
+      <p:sp>
+        <p:nvSpPr>
+          <p:cNvPr id="7" name="Oval 6">
+            <a:extLst>
+              <a:ext uri="{FF2B5EF4-FFF2-40B4-BE49-F238E27FC236}">
+                <a16:creationId xmlns:a16="http://schemas.microsoft.com/office/drawing/2014/main" id="{FB32F848-F66F-4D71-B6DE-2FD4694FD117}"/>
+              </a:ext>
+            </a:extLst>
+          </p:cNvPr>
+          <p:cNvSpPr>
+            <a:spLocks noChangeAspect="1"/>
+          </p:cNvSpPr>
+          <p:nvPr/>
+        </p:nvSpPr>
+        <p:spPr>
+          <a:xfrm>
+            <a:off x="6047251" y="2038247"/>
+            <a:ext cx="330526" cy="330526"/>
+          </a:xfrm>
+          <a:prstGeom prst="ellipse">
+            <a:avLst/>
+          </a:prstGeom>
+          <a:solidFill>
+            <a:srgbClr val="C0C0C0"/>
+          </a:solidFill>
+          <a:ln>
+            <a:noFill/>
+          </a:ln>
+        </p:spPr>
+        <p:style>
+          <a:lnRef idx="2">
+            <a:schemeClr val="accent1">
+              <a:shade val="50000"/>
+            </a:schemeClr>
+          </a:lnRef>
+          <a:fillRef idx="1">
+            <a:schemeClr val="accent1"/>
+          </a:fillRef>
+          <a:effectRef idx="0">
+            <a:schemeClr val="accent1"/>
+          </a:effectRef>
+          <a:fontRef idx="minor">
+            <a:schemeClr val="lt1"/>
+          </a:fontRef>
+        </p:style>
+        <p:txBody>
+          <a:bodyPr rtlCol="0" anchor="ctr"/>
+          <a:lstStyle/>
+          <a:p>
+            <a:pPr algn="ctr"/>
+            <a:endParaRPr lang="en-US"/>
+          </a:p>
+        </p:txBody>
+      </p:sp>
+      <p:sp>
+        <p:nvSpPr>
+          <p:cNvPr id="13" name="Rectangle 12">
+            <a:extLst>
+              <a:ext uri="{FF2B5EF4-FFF2-40B4-BE49-F238E27FC236}">
+                <a16:creationId xmlns:a16="http://schemas.microsoft.com/office/drawing/2014/main" id="{8BF675DB-1ED7-4F4F-988F-4780651E8B82}"/>
+              </a:ext>
+            </a:extLst>
+          </p:cNvPr>
+          <p:cNvSpPr>
+            <a:spLocks noChangeAspect="1"/>
+          </p:cNvSpPr>
+          <p:nvPr/>
+        </p:nvSpPr>
+        <p:spPr>
+          <a:xfrm>
+            <a:off x="4884150" y="1067810"/>
+            <a:ext cx="1705790" cy="1705790"/>
+          </a:xfrm>
+          <a:prstGeom prst="rect">
+            <a:avLst/>
+          </a:prstGeom>
+          <a:noFill/>
+        </p:spPr>
+        <p:style>
+          <a:lnRef idx="2">
+            <a:schemeClr val="accent1">
+              <a:shade val="50000"/>
+            </a:schemeClr>
+          </a:lnRef>
+          <a:fillRef idx="1">
+            <a:schemeClr val="accent1"/>
+          </a:fillRef>
+          <a:effectRef idx="0">
+            <a:schemeClr val="accent1"/>
+          </a:effectRef>
+          <a:fontRef idx="minor">
+            <a:schemeClr val="lt1"/>
+          </a:fontRef>
+        </p:style>
+        <p:txBody>
+          <a:bodyPr rtlCol="0" anchor="ctr"/>
+          <a:lstStyle/>
+          <a:p>
+            <a:pPr algn="ctr"/>
+            <a:endParaRPr lang="en-US"/>
+          </a:p>
+        </p:txBody>
+      </p:sp>
+    </p:spTree>
+    <p:extLst>
+      <p:ext uri="{BB962C8B-B14F-4D97-AF65-F5344CB8AC3E}">
+        <p14:creationId xmlns:p14="http://schemas.microsoft.com/office/powerpoint/2010/main" val="689544147"/>
       </p:ext>
     </p:extLst>
   </p:cSld>

--- a/logo/logo.pptx
+++ b/logo/logo.pptx
@@ -5,8 +5,9 @@
     <p:sldMasterId id="2147483648" r:id="rId1"/>
   </p:sldMasterIdLst>
   <p:sldIdLst>
-    <p:sldId id="256" r:id="rId2"/>
-    <p:sldId id="257" r:id="rId3"/>
+    <p:sldId id="258" r:id="rId2"/>
+    <p:sldId id="256" r:id="rId3"/>
+    <p:sldId id="257" r:id="rId4"/>
   </p:sldIdLst>
   <p:sldSz cx="12192000" cy="6858000"/>
   <p:notesSz cx="6858000" cy="9144000"/>
@@ -260,7 +261,7 @@
           <a:p>
             <a:fld id="{94524E27-C1FA-4188-87BB-7C78E010133D}" type="datetimeFigureOut">
               <a:rPr lang="en-US" smtClean="0"/>
-              <a:t>5/7/2021</a:t>
+              <a:t>5/25/2021</a:t>
             </a:fld>
             <a:endParaRPr lang="en-US"/>
           </a:p>
@@ -458,7 +459,7 @@
           <a:p>
             <a:fld id="{94524E27-C1FA-4188-87BB-7C78E010133D}" type="datetimeFigureOut">
               <a:rPr lang="en-US" smtClean="0"/>
-              <a:t>5/7/2021</a:t>
+              <a:t>5/25/2021</a:t>
             </a:fld>
             <a:endParaRPr lang="en-US"/>
           </a:p>
@@ -666,7 +667,7 @@
           <a:p>
             <a:fld id="{94524E27-C1FA-4188-87BB-7C78E010133D}" type="datetimeFigureOut">
               <a:rPr lang="en-US" smtClean="0"/>
-              <a:t>5/7/2021</a:t>
+              <a:t>5/25/2021</a:t>
             </a:fld>
             <a:endParaRPr lang="en-US"/>
           </a:p>
@@ -864,7 +865,7 @@
           <a:p>
             <a:fld id="{94524E27-C1FA-4188-87BB-7C78E010133D}" type="datetimeFigureOut">
               <a:rPr lang="en-US" smtClean="0"/>
-              <a:t>5/7/2021</a:t>
+              <a:t>5/25/2021</a:t>
             </a:fld>
             <a:endParaRPr lang="en-US"/>
           </a:p>
@@ -1139,7 +1140,7 @@
           <a:p>
             <a:fld id="{94524E27-C1FA-4188-87BB-7C78E010133D}" type="datetimeFigureOut">
               <a:rPr lang="en-US" smtClean="0"/>
-              <a:t>5/7/2021</a:t>
+              <a:t>5/25/2021</a:t>
             </a:fld>
             <a:endParaRPr lang="en-US"/>
           </a:p>
@@ -1404,7 +1405,7 @@
           <a:p>
             <a:fld id="{94524E27-C1FA-4188-87BB-7C78E010133D}" type="datetimeFigureOut">
               <a:rPr lang="en-US" smtClean="0"/>
-              <a:t>5/7/2021</a:t>
+              <a:t>5/25/2021</a:t>
             </a:fld>
             <a:endParaRPr lang="en-US"/>
           </a:p>
@@ -1816,7 +1817,7 @@
           <a:p>
             <a:fld id="{94524E27-C1FA-4188-87BB-7C78E010133D}" type="datetimeFigureOut">
               <a:rPr lang="en-US" smtClean="0"/>
-              <a:t>5/7/2021</a:t>
+              <a:t>5/25/2021</a:t>
             </a:fld>
             <a:endParaRPr lang="en-US"/>
           </a:p>
@@ -1957,7 +1958,7 @@
           <a:p>
             <a:fld id="{94524E27-C1FA-4188-87BB-7C78E010133D}" type="datetimeFigureOut">
               <a:rPr lang="en-US" smtClean="0"/>
-              <a:t>5/7/2021</a:t>
+              <a:t>5/25/2021</a:t>
             </a:fld>
             <a:endParaRPr lang="en-US"/>
           </a:p>
@@ -2070,7 +2071,7 @@
           <a:p>
             <a:fld id="{94524E27-C1FA-4188-87BB-7C78E010133D}" type="datetimeFigureOut">
               <a:rPr lang="en-US" smtClean="0"/>
-              <a:t>5/7/2021</a:t>
+              <a:t>5/25/2021</a:t>
             </a:fld>
             <a:endParaRPr lang="en-US"/>
           </a:p>
@@ -2381,7 +2382,7 @@
           <a:p>
             <a:fld id="{94524E27-C1FA-4188-87BB-7C78E010133D}" type="datetimeFigureOut">
               <a:rPr lang="en-US" smtClean="0"/>
-              <a:t>5/7/2021</a:t>
+              <a:t>5/25/2021</a:t>
             </a:fld>
             <a:endParaRPr lang="en-US"/>
           </a:p>
@@ -2669,7 +2670,7 @@
           <a:p>
             <a:fld id="{94524E27-C1FA-4188-87BB-7C78E010133D}" type="datetimeFigureOut">
               <a:rPr lang="en-US" smtClean="0"/>
-              <a:t>5/7/2021</a:t>
+              <a:t>5/25/2021</a:t>
             </a:fld>
             <a:endParaRPr lang="en-US"/>
           </a:p>
@@ -2910,7 +2911,7 @@
           <a:p>
             <a:fld id="{94524E27-C1FA-4188-87BB-7C78E010133D}" type="datetimeFigureOut">
               <a:rPr lang="en-US" smtClean="0"/>
-              <a:t>5/7/2021</a:t>
+              <a:t>5/25/2021</a:t>
             </a:fld>
             <a:endParaRPr lang="en-US"/>
           </a:p>
@@ -3316,6 +3317,300 @@
     <p:bg>
       <p:bgPr>
         <a:solidFill>
+          <a:schemeClr val="tx1">
+            <a:lumMod val="75000"/>
+            <a:lumOff val="25000"/>
+          </a:schemeClr>
+        </a:solidFill>
+        <a:effectLst/>
+      </p:bgPr>
+    </p:bg>
+    <p:spTree>
+      <p:nvGrpSpPr>
+        <p:cNvPr id="1" name=""/>
+        <p:cNvGrpSpPr/>
+        <p:nvPr/>
+      </p:nvGrpSpPr>
+      <p:grpSpPr>
+        <a:xfrm>
+          <a:off x="0" y="0"/>
+          <a:ext cx="0" cy="0"/>
+          <a:chOff x="0" y="0"/>
+          <a:chExt cx="0" cy="0"/>
+        </a:xfrm>
+      </p:grpSpPr>
+      <p:sp>
+        <p:nvSpPr>
+          <p:cNvPr id="10" name="Oval 9">
+            <a:extLst>
+              <a:ext uri="{FF2B5EF4-FFF2-40B4-BE49-F238E27FC236}">
+                <a16:creationId xmlns:a16="http://schemas.microsoft.com/office/drawing/2014/main" id="{F7B7FB77-17B3-43A2-AC15-269B81CC1EB2}"/>
+              </a:ext>
+            </a:extLst>
+          </p:cNvPr>
+          <p:cNvSpPr>
+            <a:spLocks noChangeAspect="1"/>
+          </p:cNvSpPr>
+          <p:nvPr/>
+        </p:nvSpPr>
+        <p:spPr>
+          <a:xfrm>
+            <a:off x="4888100" y="892199"/>
+            <a:ext cx="530592" cy="530592"/>
+          </a:xfrm>
+          <a:prstGeom prst="ellipse">
+            <a:avLst/>
+          </a:prstGeom>
+          <a:solidFill>
+            <a:srgbClr val="969696"/>
+          </a:solidFill>
+          <a:ln>
+            <a:noFill/>
+          </a:ln>
+        </p:spPr>
+        <p:style>
+          <a:lnRef idx="2">
+            <a:schemeClr val="accent1">
+              <a:shade val="50000"/>
+            </a:schemeClr>
+          </a:lnRef>
+          <a:fillRef idx="1">
+            <a:schemeClr val="accent1"/>
+          </a:fillRef>
+          <a:effectRef idx="0">
+            <a:schemeClr val="accent1"/>
+          </a:effectRef>
+          <a:fontRef idx="minor">
+            <a:schemeClr val="lt1"/>
+          </a:fontRef>
+        </p:style>
+        <p:txBody>
+          <a:bodyPr rtlCol="0" anchor="ctr"/>
+          <a:lstStyle/>
+          <a:p>
+            <a:pPr algn="ctr"/>
+            <a:endParaRPr lang="en-US"/>
+          </a:p>
+        </p:txBody>
+      </p:sp>
+      <p:sp>
+        <p:nvSpPr>
+          <p:cNvPr id="4" name="Oval 3">
+            <a:extLst>
+              <a:ext uri="{FF2B5EF4-FFF2-40B4-BE49-F238E27FC236}">
+                <a16:creationId xmlns:a16="http://schemas.microsoft.com/office/drawing/2014/main" id="{8C25EDF3-8125-4DC4-8FDE-C58E5F6A82A7}"/>
+              </a:ext>
+            </a:extLst>
+          </p:cNvPr>
+          <p:cNvSpPr>
+            <a:spLocks noChangeAspect="1"/>
+          </p:cNvSpPr>
+          <p:nvPr/>
+        </p:nvSpPr>
+        <p:spPr>
+          <a:xfrm>
+            <a:off x="768096" y="460444"/>
+            <a:ext cx="5137586" cy="5137586"/>
+          </a:xfrm>
+          <a:prstGeom prst="ellipse">
+            <a:avLst/>
+          </a:prstGeom>
+          <a:solidFill>
+            <a:schemeClr val="tx1">
+              <a:lumMod val="95000"/>
+              <a:lumOff val="5000"/>
+              <a:alpha val="50000"/>
+            </a:schemeClr>
+          </a:solidFill>
+          <a:ln>
+            <a:noFill/>
+          </a:ln>
+        </p:spPr>
+        <p:style>
+          <a:lnRef idx="2">
+            <a:schemeClr val="accent1">
+              <a:shade val="50000"/>
+            </a:schemeClr>
+          </a:lnRef>
+          <a:fillRef idx="1">
+            <a:schemeClr val="accent1"/>
+          </a:fillRef>
+          <a:effectRef idx="0">
+            <a:schemeClr val="accent1"/>
+          </a:effectRef>
+          <a:fontRef idx="minor">
+            <a:schemeClr val="lt1"/>
+          </a:fontRef>
+        </p:style>
+        <p:txBody>
+          <a:bodyPr rtlCol="0" anchor="ctr"/>
+          <a:lstStyle/>
+          <a:p>
+            <a:pPr algn="ctr"/>
+            <a:endParaRPr lang="en-US"/>
+          </a:p>
+        </p:txBody>
+      </p:sp>
+      <p:sp>
+        <p:nvSpPr>
+          <p:cNvPr id="5" name="Oval 4">
+            <a:extLst>
+              <a:ext uri="{FF2B5EF4-FFF2-40B4-BE49-F238E27FC236}">
+                <a16:creationId xmlns:a16="http://schemas.microsoft.com/office/drawing/2014/main" id="{1ED3C450-C255-4E1D-8AE1-F0B8E8D3C6F6}"/>
+              </a:ext>
+            </a:extLst>
+          </p:cNvPr>
+          <p:cNvSpPr>
+            <a:spLocks noChangeAspect="1"/>
+          </p:cNvSpPr>
+          <p:nvPr/>
+        </p:nvSpPr>
+        <p:spPr>
+          <a:xfrm>
+            <a:off x="5153396" y="729378"/>
+            <a:ext cx="530592" cy="530592"/>
+          </a:xfrm>
+          <a:prstGeom prst="ellipse">
+            <a:avLst/>
+          </a:prstGeom>
+          <a:solidFill>
+            <a:srgbClr val="DDDDDD"/>
+          </a:solidFill>
+          <a:ln>
+            <a:noFill/>
+          </a:ln>
+        </p:spPr>
+        <p:style>
+          <a:lnRef idx="2">
+            <a:schemeClr val="accent1">
+              <a:shade val="50000"/>
+            </a:schemeClr>
+          </a:lnRef>
+          <a:fillRef idx="1">
+            <a:schemeClr val="accent1"/>
+          </a:fillRef>
+          <a:effectRef idx="0">
+            <a:schemeClr val="accent1"/>
+          </a:effectRef>
+          <a:fontRef idx="minor">
+            <a:schemeClr val="lt1"/>
+          </a:fontRef>
+        </p:style>
+        <p:txBody>
+          <a:bodyPr rtlCol="0" anchor="ctr"/>
+          <a:lstStyle/>
+          <a:p>
+            <a:pPr algn="ctr"/>
+            <a:endParaRPr lang="en-US"/>
+          </a:p>
+        </p:txBody>
+      </p:sp>
+      <p:sp>
+        <p:nvSpPr>
+          <p:cNvPr id="13" name="Rectangle 12">
+            <a:extLst>
+              <a:ext uri="{FF2B5EF4-FFF2-40B4-BE49-F238E27FC236}">
+                <a16:creationId xmlns:a16="http://schemas.microsoft.com/office/drawing/2014/main" id="{8BF675DB-1ED7-4F4F-988F-4780651E8B82}"/>
+              </a:ext>
+            </a:extLst>
+          </p:cNvPr>
+          <p:cNvSpPr>
+            <a:spLocks noChangeAspect="1"/>
+          </p:cNvSpPr>
+          <p:nvPr/>
+        </p:nvSpPr>
+        <p:spPr>
+          <a:xfrm>
+            <a:off x="4704894" y="492838"/>
+            <a:ext cx="1162592" cy="1162592"/>
+          </a:xfrm>
+          <a:prstGeom prst="rect">
+            <a:avLst/>
+          </a:prstGeom>
+          <a:noFill/>
+        </p:spPr>
+        <p:style>
+          <a:lnRef idx="2">
+            <a:schemeClr val="accent1">
+              <a:shade val="50000"/>
+            </a:schemeClr>
+          </a:lnRef>
+          <a:fillRef idx="1">
+            <a:schemeClr val="accent1"/>
+          </a:fillRef>
+          <a:effectRef idx="0">
+            <a:schemeClr val="accent1"/>
+          </a:effectRef>
+          <a:fontRef idx="minor">
+            <a:schemeClr val="lt1"/>
+          </a:fontRef>
+        </p:style>
+        <p:txBody>
+          <a:bodyPr rtlCol="0" anchor="ctr"/>
+          <a:lstStyle/>
+          <a:p>
+            <a:pPr algn="ctr"/>
+            <a:endParaRPr lang="en-US"/>
+          </a:p>
+        </p:txBody>
+      </p:sp>
+      <p:cxnSp>
+        <p:nvCxnSpPr>
+          <p:cNvPr id="3" name="Straight Connector 2">
+            <a:extLst>
+              <a:ext uri="{FF2B5EF4-FFF2-40B4-BE49-F238E27FC236}">
+                <a16:creationId xmlns:a16="http://schemas.microsoft.com/office/drawing/2014/main" id="{D49D95E7-7398-4D0D-983C-FA9DAF73BCCA}"/>
+              </a:ext>
+            </a:extLst>
+          </p:cNvPr>
+          <p:cNvCxnSpPr>
+            <a:cxnSpLocks/>
+          </p:cNvCxnSpPr>
+          <p:nvPr/>
+        </p:nvCxnSpPr>
+        <p:spPr>
+          <a:xfrm flipV="1">
+            <a:off x="6353889" y="1074134"/>
+            <a:ext cx="295" cy="223442"/>
+          </a:xfrm>
+          <a:prstGeom prst="line">
+            <a:avLst/>
+          </a:prstGeom>
+        </p:spPr>
+        <p:style>
+          <a:lnRef idx="1">
+            <a:schemeClr val="accent1"/>
+          </a:lnRef>
+          <a:fillRef idx="0">
+            <a:schemeClr val="accent1"/>
+          </a:fillRef>
+          <a:effectRef idx="0">
+            <a:schemeClr val="accent1"/>
+          </a:effectRef>
+          <a:fontRef idx="minor">
+            <a:schemeClr val="tx1"/>
+          </a:fontRef>
+        </p:style>
+      </p:cxnSp>
+    </p:spTree>
+    <p:extLst>
+      <p:ext uri="{BB962C8B-B14F-4D97-AF65-F5344CB8AC3E}">
+        <p14:creationId xmlns:p14="http://schemas.microsoft.com/office/powerpoint/2010/main" val="2499152168"/>
+      </p:ext>
+    </p:extLst>
+  </p:cSld>
+  <p:clrMapOvr>
+    <a:masterClrMapping/>
+  </p:clrMapOvr>
+</p:sld>
+</file>
+
+<file path=ppt/slides/slide2.xml><?xml version="1.0" encoding="utf-8"?>
+<p:sld xmlns:a="http://schemas.openxmlformats.org/drawingml/2006/main" xmlns:r="http://schemas.openxmlformats.org/officeDocument/2006/relationships" xmlns:p="http://schemas.openxmlformats.org/presentationml/2006/main">
+  <p:cSld>
+    <p:bg>
+      <p:bgPr>
+        <a:solidFill>
           <a:srgbClr val="333333"/>
         </a:solidFill>
         <a:effectLst/>
@@ -3779,7 +4074,7 @@
 </p:sld>
 </file>
 
-<file path=ppt/slides/slide2.xml><?xml version="1.0" encoding="utf-8"?>
+<file path=ppt/slides/slide3.xml><?xml version="1.0" encoding="utf-8"?>
 <p:sld xmlns:a="http://schemas.openxmlformats.org/drawingml/2006/main" xmlns:r="http://schemas.openxmlformats.org/officeDocument/2006/relationships" xmlns:p="http://schemas.openxmlformats.org/presentationml/2006/main">
   <p:cSld>
     <p:bg>
